--- a/Lectures/Lecture 23/Lecture 23.pptx
+++ b/Lectures/Lecture 23/Lecture 23.pptx
@@ -230,7 +230,7 @@
           <a:p>
             <a:fld id="{467FE51A-BC06-4E6F-B1DA-B477364E598F}" type="datetimeFigureOut">
               <a:rPr lang="en-US" smtClean="0"/>
-              <a:t>3/29/2020</a:t>
+              <a:t>3/30/2021</a:t>
             </a:fld>
             <a:endParaRPr lang="en-US"/>
           </a:p>
@@ -2324,7 +2324,7 @@
           <a:p>
             <a:fld id="{11C4ABE2-2F1A-4C31-A43A-C3E7CE49CE95}" type="datetimeFigureOut">
               <a:rPr lang="en-US" smtClean="0"/>
-              <a:t>3/29/2020</a:t>
+              <a:t>3/30/2021</a:t>
             </a:fld>
             <a:endParaRPr lang="en-US"/>
           </a:p>
@@ -2522,7 +2522,7 @@
           <a:p>
             <a:fld id="{11C4ABE2-2F1A-4C31-A43A-C3E7CE49CE95}" type="datetimeFigureOut">
               <a:rPr lang="en-US" smtClean="0"/>
-              <a:t>3/29/2020</a:t>
+              <a:t>3/30/2021</a:t>
             </a:fld>
             <a:endParaRPr lang="en-US"/>
           </a:p>
@@ -2730,7 +2730,7 @@
           <a:p>
             <a:fld id="{11C4ABE2-2F1A-4C31-A43A-C3E7CE49CE95}" type="datetimeFigureOut">
               <a:rPr lang="en-US" smtClean="0"/>
-              <a:t>3/29/2020</a:t>
+              <a:t>3/30/2021</a:t>
             </a:fld>
             <a:endParaRPr lang="en-US"/>
           </a:p>
@@ -2928,7 +2928,7 @@
           <a:p>
             <a:fld id="{11C4ABE2-2F1A-4C31-A43A-C3E7CE49CE95}" type="datetimeFigureOut">
               <a:rPr lang="en-US" smtClean="0"/>
-              <a:t>3/29/2020</a:t>
+              <a:t>3/30/2021</a:t>
             </a:fld>
             <a:endParaRPr lang="en-US"/>
           </a:p>
@@ -3203,7 +3203,7 @@
           <a:p>
             <a:fld id="{11C4ABE2-2F1A-4C31-A43A-C3E7CE49CE95}" type="datetimeFigureOut">
               <a:rPr lang="en-US" smtClean="0"/>
-              <a:t>3/29/2020</a:t>
+              <a:t>3/30/2021</a:t>
             </a:fld>
             <a:endParaRPr lang="en-US"/>
           </a:p>
@@ -3468,7 +3468,7 @@
           <a:p>
             <a:fld id="{11C4ABE2-2F1A-4C31-A43A-C3E7CE49CE95}" type="datetimeFigureOut">
               <a:rPr lang="en-US" smtClean="0"/>
-              <a:t>3/29/2020</a:t>
+              <a:t>3/30/2021</a:t>
             </a:fld>
             <a:endParaRPr lang="en-US"/>
           </a:p>
@@ -3880,7 +3880,7 @@
           <a:p>
             <a:fld id="{11C4ABE2-2F1A-4C31-A43A-C3E7CE49CE95}" type="datetimeFigureOut">
               <a:rPr lang="en-US" smtClean="0"/>
-              <a:t>3/29/2020</a:t>
+              <a:t>3/30/2021</a:t>
             </a:fld>
             <a:endParaRPr lang="en-US"/>
           </a:p>
@@ -4021,7 +4021,7 @@
           <a:p>
             <a:fld id="{11C4ABE2-2F1A-4C31-A43A-C3E7CE49CE95}" type="datetimeFigureOut">
               <a:rPr lang="en-US" smtClean="0"/>
-              <a:t>3/29/2020</a:t>
+              <a:t>3/30/2021</a:t>
             </a:fld>
             <a:endParaRPr lang="en-US"/>
           </a:p>
@@ -4134,7 +4134,7 @@
           <a:p>
             <a:fld id="{11C4ABE2-2F1A-4C31-A43A-C3E7CE49CE95}" type="datetimeFigureOut">
               <a:rPr lang="en-US" smtClean="0"/>
-              <a:t>3/29/2020</a:t>
+              <a:t>3/30/2021</a:t>
             </a:fld>
             <a:endParaRPr lang="en-US"/>
           </a:p>
@@ -4445,7 +4445,7 @@
           <a:p>
             <a:fld id="{11C4ABE2-2F1A-4C31-A43A-C3E7CE49CE95}" type="datetimeFigureOut">
               <a:rPr lang="en-US" smtClean="0"/>
-              <a:t>3/29/2020</a:t>
+              <a:t>3/30/2021</a:t>
             </a:fld>
             <a:endParaRPr lang="en-US"/>
           </a:p>
@@ -4733,7 +4733,7 @@
           <a:p>
             <a:fld id="{11C4ABE2-2F1A-4C31-A43A-C3E7CE49CE95}" type="datetimeFigureOut">
               <a:rPr lang="en-US" smtClean="0"/>
-              <a:t>3/29/2020</a:t>
+              <a:t>3/30/2021</a:t>
             </a:fld>
             <a:endParaRPr lang="en-US"/>
           </a:p>
@@ -4974,7 +4974,7 @@
           <a:p>
             <a:fld id="{11C4ABE2-2F1A-4C31-A43A-C3E7CE49CE95}" type="datetimeFigureOut">
               <a:rPr lang="en-US" smtClean="0"/>
-              <a:t>3/29/2020</a:t>
+              <a:t>3/30/2021</a:t>
             </a:fld>
             <a:endParaRPr lang="en-US"/>
           </a:p>
@@ -15312,8 +15312,8 @@
           <a:chExt cx="0" cy="0"/>
         </a:xfrm>
       </p:grpSpPr>
-      <mc:AlternateContent xmlns:mc="http://schemas.openxmlformats.org/markup-compatibility/2006">
-        <mc:Choice xmlns:a14="http://schemas.microsoft.com/office/drawing/2010/main" Requires="a14">
+      <mc:AlternateContent xmlns:mc="http://schemas.openxmlformats.org/markup-compatibility/2006" xmlns:a14="http://schemas.microsoft.com/office/drawing/2010/main">
+        <mc:Choice Requires="a14">
           <p:sp>
             <p:nvSpPr>
               <p:cNvPr id="36" name="TextBox 35">
@@ -15863,7 +15863,7 @@
             </p:txBody>
           </p:sp>
         </mc:Choice>
-        <mc:Fallback>
+        <mc:Fallback xmlns="">
           <p:sp>
             <p:nvSpPr>
               <p:cNvPr id="36" name="TextBox 35">
@@ -19350,7 +19350,25 @@
                 </a:solidFill>
                 <a:latin typeface="Corbel" panose="020B0503020204020204" pitchFamily="34" charset="0"/>
               </a:rPr>
-              <a:t>is an array that gives that lists all possible values with counts of how often they occur in the sample (shows the sample distribution</a:t>
+              <a:t>is an array </a:t>
+            </a:r>
+            <a:r>
+              <a:rPr lang="en-US" sz="2000">
+                <a:solidFill>
+                  <a:srgbClr val="404040"/>
+                </a:solidFill>
+                <a:latin typeface="Corbel" panose="020B0503020204020204" pitchFamily="34" charset="0"/>
+              </a:rPr>
+              <a:t>that lists </a:t>
+            </a:r>
+            <a:r>
+              <a:rPr lang="en-US" sz="2000" dirty="0">
+                <a:solidFill>
+                  <a:srgbClr val="404040"/>
+                </a:solidFill>
+                <a:latin typeface="Corbel" panose="020B0503020204020204" pitchFamily="34" charset="0"/>
+              </a:rPr>
+              <a:t>all possible values with counts of how often they occur in the sample (shows the sample distribution</a:t>
             </a:r>
           </a:p>
           <a:p>
